--- a/Software Testing.pptx
+++ b/Software Testing.pptx
@@ -5,7 +5,7 @@
     <p:sldMasterId id="2147483849" r:id="rId1"/>
   </p:sldMasterIdLst>
   <p:notesMasterIdLst>
-    <p:notesMasterId r:id="rId19"/>
+    <p:notesMasterId r:id="rId20"/>
   </p:notesMasterIdLst>
   <p:sldIdLst>
     <p:sldId id="256" r:id="rId2"/>
@@ -24,7 +24,8 @@
     <p:sldId id="269" r:id="rId15"/>
     <p:sldId id="270" r:id="rId16"/>
     <p:sldId id="271" r:id="rId17"/>
-    <p:sldId id="272" r:id="rId18"/>
+    <p:sldId id="273" r:id="rId18"/>
+    <p:sldId id="272" r:id="rId19"/>
   </p:sldIdLst>
   <p:sldSz cx="12192000" cy="6858000"/>
   <p:notesSz cx="6858000" cy="9144000"/>
@@ -14076,427 +14077,36 @@
           </a:p>
         </p:txBody>
       </p:sp>
-      <p:sp>
-        <p:nvSpPr>
-          <p:cNvPr id="4" name="Rectángulo 3"/>
-          <p:cNvSpPr/>
+      <p:pic>
+        <p:nvPicPr>
+          <p:cNvPr id="7" name="Imagen 6"/>
+          <p:cNvPicPr>
+            <a:picLocks noChangeAspect="1"/>
+          </p:cNvPicPr>
           <p:nvPr/>
-        </p:nvSpPr>
+        </p:nvPicPr>
+        <p:blipFill>
+          <a:blip r:embed="rId2">
+            <a:extLst>
+              <a:ext uri="{28A0092B-C50C-407E-A947-70E740481C1C}">
+                <a14:useLocalDpi xmlns:a14="http://schemas.microsoft.com/office/drawing/2010/main" val="0"/>
+              </a:ext>
+            </a:extLst>
+          </a:blip>
+          <a:stretch>
+            <a:fillRect/>
+          </a:stretch>
+        </p:blipFill>
         <p:spPr>
           <a:xfrm>
-            <a:off x="1378039" y="2966534"/>
-            <a:ext cx="5436745" cy="707886"/>
+            <a:off x="3419338" y="2664641"/>
+            <a:ext cx="4552683" cy="3713347"/>
           </a:xfrm>
           <a:prstGeom prst="rect">
             <a:avLst/>
           </a:prstGeom>
-          <a:noFill/>
         </p:spPr>
-        <p:txBody>
-          <a:bodyPr wrap="none" lIns="91440" tIns="45720" rIns="91440" bIns="45720">
-            <a:spAutoFit/>
-          </a:bodyPr>
-          <a:lstStyle/>
-          <a:p>
-            <a:pPr algn="ctr"/>
-            <a:r>
-              <a:rPr lang="es-ES" sz="4000" b="1" cap="none" spc="50" dirty="0" smtClean="0">
-                <a:ln w="9525" cmpd="sng">
-                  <a:solidFill>
-                    <a:schemeClr val="accent1"/>
-                  </a:solidFill>
-                  <a:prstDash val="solid"/>
-                </a:ln>
-                <a:solidFill>
-                  <a:srgbClr val="70AD47">
-                    <a:tint val="1000"/>
-                  </a:srgbClr>
-                </a:solidFill>
-                <a:effectLst>
-                  <a:glow rad="38100">
-                    <a:schemeClr val="accent1">
-                      <a:alpha val="40000"/>
-                    </a:schemeClr>
-                  </a:glow>
-                </a:effectLst>
-              </a:rPr>
-              <a:t>Pruebas de carga</a:t>
-            </a:r>
-            <a:r>
-              <a:rPr lang="es-ES" sz="4000" b="1" spc="50" dirty="0" smtClean="0">
-                <a:ln w="9525" cmpd="sng">
-                  <a:solidFill>
-                    <a:schemeClr val="accent1"/>
-                  </a:solidFill>
-                  <a:prstDash val="solid"/>
-                </a:ln>
-                <a:solidFill>
-                  <a:srgbClr val="70AD47">
-                    <a:tint val="1000"/>
-                  </a:srgbClr>
-                </a:solidFill>
-                <a:effectLst>
-                  <a:glow rad="38100">
-                    <a:schemeClr val="accent1">
-                      <a:alpha val="40000"/>
-                    </a:schemeClr>
-                  </a:glow>
-                </a:effectLst>
-              </a:rPr>
-              <a:t>/estrés</a:t>
-            </a:r>
-            <a:endParaRPr lang="es-ES" sz="4000" b="1" cap="none" spc="50" dirty="0">
-              <a:ln w="9525" cmpd="sng">
-                <a:solidFill>
-                  <a:schemeClr val="accent1"/>
-                </a:solidFill>
-                <a:prstDash val="solid"/>
-              </a:ln>
-              <a:solidFill>
-                <a:srgbClr val="70AD47">
-                  <a:tint val="1000"/>
-                </a:srgbClr>
-              </a:solidFill>
-              <a:effectLst>
-                <a:glow rad="38100">
-                  <a:schemeClr val="accent1">
-                    <a:alpha val="40000"/>
-                  </a:schemeClr>
-                </a:glow>
-              </a:effectLst>
-            </a:endParaRPr>
-          </a:p>
-        </p:txBody>
-      </p:sp>
-      <p:sp>
-        <p:nvSpPr>
-          <p:cNvPr id="5" name="CuadroTexto 4"/>
-          <p:cNvSpPr txBox="1"/>
-          <p:nvPr/>
-        </p:nvSpPr>
-        <p:spPr>
-          <a:xfrm>
-            <a:off x="1378039" y="3773510"/>
-            <a:ext cx="9659155" cy="2215991"/>
-          </a:xfrm>
-          <a:prstGeom prst="rect">
-            <a:avLst/>
-          </a:prstGeom>
-          <a:noFill/>
-        </p:spPr>
-        <p:txBody>
-          <a:bodyPr wrap="square" rtlCol="0">
-            <a:spAutoFit/>
-          </a:bodyPr>
-          <a:lstStyle/>
-          <a:p>
-            <a:r>
-              <a:rPr lang="es-AR" sz="2000" dirty="0">
-                <a:solidFill>
-                  <a:schemeClr val="accent5">
-                    <a:lumMod val="60000"/>
-                    <a:lumOff val="40000"/>
-                  </a:schemeClr>
-                </a:solidFill>
-              </a:rPr>
-              <a:t>Este tipo de pruebas evalúa los requisitos no funcionales</a:t>
-            </a:r>
-            <a:r>
-              <a:rPr lang="es-AR" sz="2000" dirty="0" smtClean="0">
-                <a:solidFill>
-                  <a:schemeClr val="accent5">
-                    <a:lumMod val="60000"/>
-                    <a:lumOff val="40000"/>
-                  </a:schemeClr>
-                </a:solidFill>
-              </a:rPr>
-              <a:t>.</a:t>
-            </a:r>
-          </a:p>
-          <a:p>
-            <a:r>
-              <a:rPr lang="es-AR" sz="2000" dirty="0" smtClean="0">
-                <a:solidFill>
-                  <a:schemeClr val="accent5">
-                    <a:lumMod val="60000"/>
-                    <a:lumOff val="40000"/>
-                  </a:schemeClr>
-                </a:solidFill>
-              </a:rPr>
-              <a:t>-Las </a:t>
-            </a:r>
-            <a:r>
-              <a:rPr lang="es-AR" sz="2000" dirty="0">
-                <a:solidFill>
-                  <a:schemeClr val="accent5">
-                    <a:lumMod val="60000"/>
-                    <a:lumOff val="40000"/>
-                  </a:schemeClr>
-                </a:solidFill>
-              </a:rPr>
-              <a:t>Pruebas de Estrés </a:t>
-            </a:r>
-            <a:r>
-              <a:rPr lang="es-AR" sz="2000" dirty="0" smtClean="0">
-                <a:solidFill>
-                  <a:schemeClr val="accent5">
-                    <a:lumMod val="60000"/>
-                    <a:lumOff val="40000"/>
-                  </a:schemeClr>
-                </a:solidFill>
-              </a:rPr>
-              <a:t>comprueban </a:t>
-            </a:r>
-            <a:r>
-              <a:rPr lang="es-AR" sz="2000" dirty="0">
-                <a:solidFill>
-                  <a:schemeClr val="accent5">
-                    <a:lumMod val="60000"/>
-                    <a:lumOff val="40000"/>
-                  </a:schemeClr>
-                </a:solidFill>
-              </a:rPr>
-              <a:t>el funcionamiento del sistema bajo </a:t>
-            </a:r>
-            <a:r>
-              <a:rPr lang="es-AR" sz="2000" dirty="0" smtClean="0">
-                <a:solidFill>
-                  <a:schemeClr val="accent5">
-                    <a:lumMod val="60000"/>
-                    <a:lumOff val="40000"/>
-                  </a:schemeClr>
-                </a:solidFill>
-              </a:rPr>
-              <a:t>condiciones </a:t>
-            </a:r>
-            <a:r>
-              <a:rPr lang="es-AR" sz="2000" dirty="0">
-                <a:solidFill>
-                  <a:schemeClr val="accent5">
-                    <a:lumMod val="60000"/>
-                    <a:lumOff val="40000"/>
-                  </a:schemeClr>
-                </a:solidFill>
-              </a:rPr>
-              <a:t>no </a:t>
-            </a:r>
-            <a:r>
-              <a:rPr lang="es-AR" sz="2000" dirty="0" smtClean="0">
-                <a:solidFill>
-                  <a:schemeClr val="accent5">
-                    <a:lumMod val="60000"/>
-                    <a:lumOff val="40000"/>
-                  </a:schemeClr>
-                </a:solidFill>
-              </a:rPr>
-              <a:t>normales como </a:t>
-            </a:r>
-            <a:r>
-              <a:rPr lang="es-AR" sz="2000" dirty="0">
-                <a:solidFill>
-                  <a:schemeClr val="accent5">
-                    <a:lumMod val="60000"/>
-                    <a:lumOff val="40000"/>
-                  </a:schemeClr>
-                </a:solidFill>
-              </a:rPr>
-              <a:t>pueden ser la ausencia de red, la pérdida </a:t>
-            </a:r>
-            <a:r>
-              <a:rPr lang="es-AR" sz="2000" dirty="0" smtClean="0">
-                <a:solidFill>
-                  <a:schemeClr val="accent5">
-                    <a:lumMod val="60000"/>
-                    <a:lumOff val="40000"/>
-                  </a:schemeClr>
-                </a:solidFill>
-              </a:rPr>
-              <a:t>de </a:t>
-            </a:r>
-            <a:r>
-              <a:rPr lang="es-AR" sz="2000" dirty="0">
-                <a:solidFill>
-                  <a:schemeClr val="accent5">
-                    <a:lumMod val="60000"/>
-                    <a:lumOff val="40000"/>
-                  </a:schemeClr>
-                </a:solidFill>
-              </a:rPr>
-              <a:t>un servidor, etc</a:t>
-            </a:r>
-            <a:r>
-              <a:rPr lang="es-AR" sz="2000" dirty="0" smtClean="0">
-                <a:solidFill>
-                  <a:schemeClr val="accent5">
-                    <a:lumMod val="60000"/>
-                    <a:lumOff val="40000"/>
-                  </a:schemeClr>
-                </a:solidFill>
-              </a:rPr>
-              <a:t>.</a:t>
-            </a:r>
-          </a:p>
-          <a:p>
-            <a:r>
-              <a:rPr lang="es-AR" sz="2000" dirty="0" smtClean="0">
-                <a:solidFill>
-                  <a:schemeClr val="accent5">
-                    <a:lumMod val="60000"/>
-                    <a:lumOff val="40000"/>
-                  </a:schemeClr>
-                </a:solidFill>
-              </a:rPr>
-              <a:t>-</a:t>
-            </a:r>
-            <a:r>
-              <a:rPr lang="es-AR" sz="2000" dirty="0">
-                <a:solidFill>
-                  <a:schemeClr val="accent5">
-                    <a:lumMod val="60000"/>
-                    <a:lumOff val="40000"/>
-                  </a:schemeClr>
-                </a:solidFill>
-              </a:rPr>
-              <a:t>Las Pruebas de Carga </a:t>
-            </a:r>
-            <a:r>
-              <a:rPr lang="es-AR" sz="2000" dirty="0" smtClean="0">
-                <a:solidFill>
-                  <a:schemeClr val="accent5">
-                    <a:lumMod val="60000"/>
-                    <a:lumOff val="40000"/>
-                  </a:schemeClr>
-                </a:solidFill>
-              </a:rPr>
-              <a:t>someten </a:t>
-            </a:r>
-            <a:r>
-              <a:rPr lang="es-AR" sz="2000" dirty="0">
-                <a:solidFill>
-                  <a:schemeClr val="accent5">
-                    <a:lumMod val="60000"/>
-                    <a:lumOff val="40000"/>
-                  </a:schemeClr>
-                </a:solidFill>
-              </a:rPr>
-              <a:t>el sistema a cargas de trabajo </a:t>
-            </a:r>
-            <a:r>
-              <a:rPr lang="es-AR" sz="2000" dirty="0" smtClean="0">
-                <a:solidFill>
-                  <a:schemeClr val="accent5">
-                    <a:lumMod val="60000"/>
-                    <a:lumOff val="40000"/>
-                  </a:schemeClr>
-                </a:solidFill>
-              </a:rPr>
-              <a:t>extremas determinando </a:t>
-            </a:r>
-            <a:r>
-              <a:rPr lang="es-AR" sz="2000" dirty="0">
-                <a:solidFill>
-                  <a:schemeClr val="accent5">
-                    <a:lumMod val="60000"/>
-                    <a:lumOff val="40000"/>
-                  </a:schemeClr>
-                </a:solidFill>
-              </a:rPr>
-              <a:t>la </a:t>
-            </a:r>
-            <a:r>
-              <a:rPr lang="es-AR" sz="2000" dirty="0" smtClean="0">
-                <a:solidFill>
-                  <a:schemeClr val="accent5">
-                    <a:lumMod val="60000"/>
-                    <a:lumOff val="40000"/>
-                  </a:schemeClr>
-                </a:solidFill>
-              </a:rPr>
-              <a:t>capacidad de </a:t>
-            </a:r>
-            <a:r>
-              <a:rPr lang="es-AR" sz="2000" dirty="0">
-                <a:solidFill>
-                  <a:schemeClr val="accent5">
-                    <a:lumMod val="60000"/>
-                    <a:lumOff val="40000"/>
-                  </a:schemeClr>
-                </a:solidFill>
-              </a:rPr>
-              <a:t>resistencia límite del programa, número de </a:t>
-            </a:r>
-            <a:r>
-              <a:rPr lang="es-AR" sz="2000" dirty="0" smtClean="0">
-                <a:solidFill>
-                  <a:schemeClr val="accent5">
-                    <a:lumMod val="60000"/>
-                    <a:lumOff val="40000"/>
-                  </a:schemeClr>
-                </a:solidFill>
-              </a:rPr>
-              <a:t>usuarios </a:t>
-            </a:r>
-            <a:r>
-              <a:rPr lang="es-AR" sz="2000" dirty="0">
-                <a:solidFill>
-                  <a:schemeClr val="accent5">
-                    <a:lumMod val="60000"/>
-                    <a:lumOff val="40000"/>
-                  </a:schemeClr>
-                </a:solidFill>
-              </a:rPr>
-              <a:t>simultáneos, capacidad de cálculo </a:t>
-            </a:r>
-            <a:r>
-              <a:rPr lang="es-AR" sz="2000" dirty="0" smtClean="0">
-                <a:solidFill>
-                  <a:schemeClr val="accent5">
-                    <a:lumMod val="60000"/>
-                    <a:lumOff val="40000"/>
-                  </a:schemeClr>
-                </a:solidFill>
-              </a:rPr>
-              <a:t>máximo</a:t>
-            </a:r>
-            <a:r>
-              <a:rPr lang="es-AR" sz="2000" dirty="0">
-                <a:solidFill>
-                  <a:schemeClr val="accent5">
-                    <a:lumMod val="60000"/>
-                    <a:lumOff val="40000"/>
-                  </a:schemeClr>
-                </a:solidFill>
-              </a:rPr>
-              <a:t>, número de conexiones, </a:t>
-            </a:r>
-            <a:r>
-              <a:rPr lang="es-AR" sz="2000" dirty="0" smtClean="0">
-                <a:solidFill>
-                  <a:schemeClr val="accent5">
-                    <a:lumMod val="60000"/>
-                    <a:lumOff val="40000"/>
-                  </a:schemeClr>
-                </a:solidFill>
-              </a:rPr>
-              <a:t>etc</a:t>
-            </a:r>
-            <a:r>
-              <a:rPr lang="es-AR" sz="2000" dirty="0">
-                <a:solidFill>
-                  <a:schemeClr val="accent5">
-                    <a:lumMod val="60000"/>
-                    <a:lumOff val="40000"/>
-                  </a:schemeClr>
-                </a:solidFill>
-              </a:rPr>
-              <a:t>.</a:t>
-            </a:r>
-          </a:p>
-          <a:p>
-            <a:endParaRPr lang="es-AR" dirty="0"/>
-          </a:p>
-        </p:txBody>
-      </p:sp>
+      </p:pic>
     </p:spTree>
     <p:extLst>
       <p:ext uri="{BB962C8B-B14F-4D97-AF65-F5344CB8AC3E}">
@@ -16051,7 +15661,7 @@
         <p:spPr>
           <a:xfrm>
             <a:off x="912137" y="4302479"/>
-            <a:ext cx="5118710" cy="707886"/>
+            <a:ext cx="5522667" cy="707886"/>
           </a:xfrm>
           <a:prstGeom prst="rect">
             <a:avLst/>
@@ -16090,7 +15700,34 @@
                   </a:outerShdw>
                 </a:effectLst>
               </a:rPr>
-              <a:t>Pruebas de escabilidad</a:t>
+              <a:t>Pruebas de </a:t>
+            </a:r>
+            <a:r>
+              <a:rPr lang="es-ES" sz="4000" b="1" cap="none" spc="0" dirty="0" smtClean="0">
+                <a:ln w="12700">
+                  <a:solidFill>
+                    <a:schemeClr val="accent1"/>
+                  </a:solidFill>
+                  <a:prstDash val="solid"/>
+                </a:ln>
+                <a:pattFill prst="pct50">
+                  <a:fgClr>
+                    <a:schemeClr val="accent1"/>
+                  </a:fgClr>
+                  <a:bgClr>
+                    <a:schemeClr val="accent1">
+                      <a:lumMod val="20000"/>
+                      <a:lumOff val="80000"/>
+                    </a:schemeClr>
+                  </a:bgClr>
+                </a:pattFill>
+                <a:effectLst>
+                  <a:outerShdw dist="38100" dir="2640000" algn="bl" rotWithShape="0">
+                    <a:schemeClr val="accent1"/>
+                  </a:outerShdw>
+                </a:effectLst>
+              </a:rPr>
+              <a:t>escalabilidad</a:t>
             </a:r>
             <a:endParaRPr lang="es-ES" sz="4000" b="1" cap="none" spc="0" dirty="0">
               <a:ln w="12700">
@@ -16318,7 +15955,7 @@
         </p:nvSpPr>
         <p:spPr>
           <a:xfrm>
-            <a:off x="926286" y="256559"/>
+            <a:off x="926286" y="411875"/>
             <a:ext cx="5883342" cy="707886"/>
           </a:xfrm>
           <a:prstGeom prst="rect">
@@ -16395,7 +16032,7 @@
         </p:nvSpPr>
         <p:spPr>
           <a:xfrm>
-            <a:off x="1030310" y="982350"/>
+            <a:off x="1030310" y="1355838"/>
             <a:ext cx="10793489" cy="1015663"/>
           </a:xfrm>
           <a:prstGeom prst="rect">
@@ -16465,7 +16102,7 @@
         </p:nvSpPr>
         <p:spPr>
           <a:xfrm>
-            <a:off x="933659" y="2139028"/>
+            <a:off x="926286" y="2843656"/>
             <a:ext cx="5875969" cy="707886"/>
           </a:xfrm>
           <a:prstGeom prst="rect">
@@ -16542,7 +16179,7 @@
         </p:nvSpPr>
         <p:spPr>
           <a:xfrm>
-            <a:off x="1030310" y="2846914"/>
+            <a:off x="1030310" y="3877224"/>
             <a:ext cx="10006884" cy="1323439"/>
           </a:xfrm>
           <a:prstGeom prst="rect">
@@ -16574,36 +16211,6 @@
           </a:p>
         </p:txBody>
       </p:sp>
-      <p:pic>
-        <p:nvPicPr>
-          <p:cNvPr id="7" name="Imagen 6"/>
-          <p:cNvPicPr>
-            <a:picLocks noChangeAspect="1"/>
-          </p:cNvPicPr>
-          <p:nvPr/>
-        </p:nvPicPr>
-        <p:blipFill>
-          <a:blip r:embed="rId2">
-            <a:extLst>
-              <a:ext uri="{28A0092B-C50C-407E-A947-70E740481C1C}">
-                <a14:useLocalDpi xmlns:a14="http://schemas.microsoft.com/office/drawing/2010/main" val="0"/>
-              </a:ext>
-            </a:extLst>
-          </a:blip>
-          <a:stretch>
-            <a:fillRect/>
-          </a:stretch>
-        </p:blipFill>
-        <p:spPr>
-          <a:xfrm>
-            <a:off x="3194443" y="3913270"/>
-            <a:ext cx="5395765" cy="2803062"/>
-          </a:xfrm>
-          <a:prstGeom prst="rect">
-            <a:avLst/>
-          </a:prstGeom>
-        </p:spPr>
-      </p:pic>
     </p:spTree>
     <p:extLst>
       <p:ext uri="{BB962C8B-B14F-4D97-AF65-F5344CB8AC3E}">
@@ -16637,6 +16244,222 @@
 </file>
 
 <file path=ppt/slides/slide17.xml><?xml version="1.0" encoding="utf-8"?>
+<p:sld xmlns:a="http://schemas.openxmlformats.org/drawingml/2006/main" xmlns:r="http://schemas.openxmlformats.org/officeDocument/2006/relationships" xmlns:p="http://schemas.openxmlformats.org/presentationml/2006/main">
+  <p:cSld>
+    <p:spTree>
+      <p:nvGrpSpPr>
+        <p:cNvPr id="1" name=""/>
+        <p:cNvGrpSpPr/>
+        <p:nvPr/>
+      </p:nvGrpSpPr>
+      <p:grpSpPr>
+        <a:xfrm>
+          <a:off x="0" y="0"/>
+          <a:ext cx="0" cy="0"/>
+          <a:chOff x="0" y="0"/>
+          <a:chExt cx="0" cy="0"/>
+        </a:xfrm>
+      </p:grpSpPr>
+      <p:pic>
+        <p:nvPicPr>
+          <p:cNvPr id="2" name="Imagen 1"/>
+          <p:cNvPicPr>
+            <a:picLocks noChangeAspect="1"/>
+          </p:cNvPicPr>
+          <p:nvPr/>
+        </p:nvPicPr>
+        <p:blipFill>
+          <a:blip r:embed="rId2">
+            <a:extLst>
+              <a:ext uri="{28A0092B-C50C-407E-A947-70E740481C1C}">
+                <a14:useLocalDpi xmlns:a14="http://schemas.microsoft.com/office/drawing/2010/main" val="0"/>
+              </a:ext>
+            </a:extLst>
+          </a:blip>
+          <a:stretch>
+            <a:fillRect/>
+          </a:stretch>
+        </p:blipFill>
+        <p:spPr>
+          <a:xfrm>
+            <a:off x="3142928" y="3668571"/>
+            <a:ext cx="5395765" cy="2803062"/>
+          </a:xfrm>
+          <a:prstGeom prst="rect">
+            <a:avLst/>
+          </a:prstGeom>
+        </p:spPr>
+      </p:pic>
+      <p:sp>
+        <p:nvSpPr>
+          <p:cNvPr id="5" name="Rectángulo 4"/>
+          <p:cNvSpPr/>
+          <p:nvPr/>
+        </p:nvSpPr>
+        <p:spPr>
+          <a:xfrm>
+            <a:off x="1324338" y="224135"/>
+            <a:ext cx="7070590" cy="923330"/>
+          </a:xfrm>
+          <a:prstGeom prst="rect">
+            <a:avLst/>
+          </a:prstGeom>
+          <a:noFill/>
+        </p:spPr>
+        <p:txBody>
+          <a:bodyPr wrap="none" lIns="91440" tIns="45720" rIns="91440" bIns="45720">
+            <a:spAutoFit/>
+          </a:bodyPr>
+          <a:lstStyle/>
+          <a:p>
+            <a:pPr algn="ctr"/>
+            <a:r>
+              <a:rPr lang="es-ES" sz="5400" b="1" cap="none" spc="0" dirty="0" smtClean="0">
+                <a:ln w="12700">
+                  <a:solidFill>
+                    <a:schemeClr val="accent1"/>
+                  </a:solidFill>
+                  <a:prstDash val="solid"/>
+                </a:ln>
+                <a:pattFill prst="pct50">
+                  <a:fgClr>
+                    <a:schemeClr val="accent1"/>
+                  </a:fgClr>
+                  <a:bgClr>
+                    <a:schemeClr val="accent1">
+                      <a:lumMod val="20000"/>
+                      <a:lumOff val="80000"/>
+                    </a:schemeClr>
+                  </a:bgClr>
+                </a:pattFill>
+                <a:effectLst>
+                  <a:outerShdw dist="38100" dir="2640000" algn="bl" rotWithShape="0">
+                    <a:schemeClr val="accent1"/>
+                  </a:outerShdw>
+                </a:effectLst>
+              </a:rPr>
+              <a:t>Pruebas de carga/estrés</a:t>
+            </a:r>
+            <a:endParaRPr lang="es-AR" sz="5400" b="1" cap="none" spc="0" dirty="0">
+              <a:ln w="12700">
+                <a:solidFill>
+                  <a:schemeClr val="accent1"/>
+                </a:solidFill>
+                <a:prstDash val="solid"/>
+              </a:ln>
+              <a:pattFill prst="pct50">
+                <a:fgClr>
+                  <a:schemeClr val="accent1"/>
+                </a:fgClr>
+                <a:bgClr>
+                  <a:schemeClr val="accent1">
+                    <a:lumMod val="20000"/>
+                    <a:lumOff val="80000"/>
+                  </a:schemeClr>
+                </a:bgClr>
+              </a:pattFill>
+              <a:effectLst>
+                <a:outerShdw dist="38100" dir="2640000" algn="bl" rotWithShape="0">
+                  <a:schemeClr val="accent1"/>
+                </a:outerShdw>
+              </a:effectLst>
+            </a:endParaRPr>
+          </a:p>
+        </p:txBody>
+      </p:sp>
+      <p:sp>
+        <p:nvSpPr>
+          <p:cNvPr id="6" name="Rectángulo 5"/>
+          <p:cNvSpPr/>
+          <p:nvPr/>
+        </p:nvSpPr>
+        <p:spPr>
+          <a:xfrm>
+            <a:off x="1324338" y="1244528"/>
+            <a:ext cx="10202254" cy="1938992"/>
+          </a:xfrm>
+          <a:prstGeom prst="rect">
+            <a:avLst/>
+          </a:prstGeom>
+        </p:spPr>
+        <p:txBody>
+          <a:bodyPr wrap="square">
+            <a:spAutoFit/>
+          </a:bodyPr>
+          <a:lstStyle/>
+          <a:p>
+            <a:r>
+              <a:rPr lang="es-AR" sz="2000" dirty="0">
+                <a:solidFill>
+                  <a:schemeClr val="accent4">
+                    <a:lumMod val="20000"/>
+                    <a:lumOff val="80000"/>
+                  </a:schemeClr>
+                </a:solidFill>
+              </a:rPr>
+              <a:t>Este tipo de pruebas evalúa los requisitos no funcionales.</a:t>
+            </a:r>
+          </a:p>
+          <a:p>
+            <a:r>
+              <a:rPr lang="es-AR" sz="2000" dirty="0">
+                <a:solidFill>
+                  <a:schemeClr val="accent4">
+                    <a:lumMod val="20000"/>
+                    <a:lumOff val="80000"/>
+                  </a:schemeClr>
+                </a:solidFill>
+              </a:rPr>
+              <a:t>-Las Pruebas de Estrés comprueban el funcionamiento del sistema bajo condiciones no normales como pueden ser la ausencia de red, la pérdida de un servidor, etc.</a:t>
+            </a:r>
+          </a:p>
+          <a:p>
+            <a:r>
+              <a:rPr lang="es-AR" sz="2000" dirty="0">
+                <a:solidFill>
+                  <a:schemeClr val="accent4">
+                    <a:lumMod val="20000"/>
+                    <a:lumOff val="80000"/>
+                  </a:schemeClr>
+                </a:solidFill>
+              </a:rPr>
+              <a:t>-Las Pruebas de Carga someten el sistema a cargas de trabajo extremas determinando la capacidad de resistencia límite del programa, número de usuarios simultáneos, capacidad de cálculo máximo, número de conexiones, etc.</a:t>
+            </a:r>
+            <a:endParaRPr lang="es-AR" sz="2000" dirty="0">
+              <a:solidFill>
+                <a:schemeClr val="accent4">
+                  <a:lumMod val="20000"/>
+                  <a:lumOff val="80000"/>
+                </a:schemeClr>
+              </a:solidFill>
+            </a:endParaRPr>
+          </a:p>
+        </p:txBody>
+      </p:sp>
+    </p:spTree>
+    <p:extLst>
+      <p:ext uri="{BB962C8B-B14F-4D97-AF65-F5344CB8AC3E}">
+        <p14:creationId xmlns:p14="http://schemas.microsoft.com/office/powerpoint/2010/main" val="533108218"/>
+      </p:ext>
+    </p:extLst>
+  </p:cSld>
+  <p:clrMapOvr>
+    <a:masterClrMapping/>
+  </p:clrMapOvr>
+  <p:transition spd="slow">
+    <p:push dir="u"/>
+  </p:transition>
+  <p:timing>
+    <p:tnLst>
+      <p:par>
+        <p:cTn id="1" dur="indefinite" restart="never" nodeType="tmRoot"/>
+      </p:par>
+    </p:tnLst>
+  </p:timing>
+</p:sld>
+</file>
+
+<file path=ppt/slides/slide18.xml><?xml version="1.0" encoding="utf-8"?>
 <p:sld xmlns:a="http://schemas.openxmlformats.org/drawingml/2006/main" xmlns:r="http://schemas.openxmlformats.org/officeDocument/2006/relationships" xmlns:p="http://schemas.openxmlformats.org/presentationml/2006/main">
   <p:cSld>
     <p:spTree>
